--- a/1HUST-Theme-PPT/v1扁平4-3.pptx
+++ b/1HUST-Theme-PPT/v1扁平4-3.pptx
@@ -205,7 +205,7 @@
           <a:p>
             <a:fld id="{BDA51940-DB52-3B48-AABB-9C7938529E4E}" type="datetimeFigureOut">
               <a:rPr kumimoji="1" lang="zh-CN" altLang="en-US" smtClean="0"/>
-              <a:t>2026/1/18</a:t>
+              <a:t>2026/1/21</a:t>
             </a:fld>
             <a:endParaRPr kumimoji="1" lang="zh-CN" altLang="en-US"/>
           </a:p>
@@ -1031,7 +1031,7 @@
                   <a:solidFill/>
                 </a:defRPr>
               </a:pPr>
-              <a:t>2026/1/18</a:t>
+              <a:t>2026/1/21</a:t>
             </a:fld>
             <a:endParaRPr kumimoji="1" lang="zh-CN" altLang="en-US" dirty="0"/>
           </a:p>
@@ -1425,7 +1425,7 @@
             </a:pPr>
             <a:fld id="{E4551058-E5DB-324A-A8E9-6D3BEF243C3B}" type="datetimeFigureOut">
               <a:rPr kumimoji="1" lang="zh-CN" altLang="en-US" smtClean="0"/>
-              <a:t>2026/1/18</a:t>
+              <a:t>2026/1/21</a:t>
             </a:fld>
             <a:endParaRPr kumimoji="1" lang="zh-CN" altLang="en-US"/>
           </a:p>
@@ -1670,7 +1670,7 @@
             </a:pPr>
             <a:fld id="{E4551058-E5DB-324A-A8E9-6D3BEF243C3B}" type="datetimeFigureOut">
               <a:rPr kumimoji="1" lang="zh-CN" altLang="en-US" smtClean="0"/>
-              <a:t>2026/1/18</a:t>
+              <a:t>2026/1/21</a:t>
             </a:fld>
             <a:endParaRPr kumimoji="1" lang="zh-CN" altLang="en-US"/>
           </a:p>
@@ -2074,7 +2074,7 @@
             </a:pPr>
             <a:fld id="{E4551058-E5DB-324A-A8E9-6D3BEF243C3B}" type="datetimeFigureOut">
               <a:rPr kumimoji="1" lang="zh-CN" altLang="en-US" smtClean="0"/>
-              <a:t>2026/1/18</a:t>
+              <a:t>2026/1/21</a:t>
             </a:fld>
             <a:endParaRPr kumimoji="1" lang="zh-CN" altLang="en-US"/>
           </a:p>
@@ -2349,7 +2349,7 @@
             </a:pPr>
             <a:fld id="{E4551058-E5DB-324A-A8E9-6D3BEF243C3B}" type="datetimeFigureOut">
               <a:rPr kumimoji="1" lang="zh-CN" altLang="en-US" smtClean="0"/>
-              <a:t>2026/1/18</a:t>
+              <a:t>2026/1/21</a:t>
             </a:fld>
             <a:endParaRPr kumimoji="1" lang="zh-CN" altLang="en-US"/>
           </a:p>
@@ -2613,7 +2613,7 @@
             </a:pPr>
             <a:fld id="{E4551058-E5DB-324A-A8E9-6D3BEF243C3B}" type="datetimeFigureOut">
               <a:rPr kumimoji="1" lang="zh-CN" altLang="en-US" smtClean="0"/>
-              <a:t>2026/1/18</a:t>
+              <a:t>2026/1/21</a:t>
             </a:fld>
             <a:endParaRPr kumimoji="1" lang="zh-CN" altLang="en-US"/>
           </a:p>
@@ -3214,7 +3214,7 @@
             </a:pPr>
             <a:fld id="{E4551058-E5DB-324A-A8E9-6D3BEF243C3B}" type="datetimeFigureOut">
               <a:rPr kumimoji="1" lang="zh-CN" altLang="en-US" smtClean="0"/>
-              <a:t>2026/1/18</a:t>
+              <a:t>2026/1/21</a:t>
             </a:fld>
             <a:endParaRPr kumimoji="1" lang="zh-CN" altLang="en-US"/>
           </a:p>
@@ -3546,7 +3546,7 @@
             </a:pPr>
             <a:fld id="{E4551058-E5DB-324A-A8E9-6D3BEF243C3B}" type="datetimeFigureOut">
               <a:rPr kumimoji="1" lang="zh-CN" altLang="en-US" smtClean="0"/>
-              <a:t>2026/1/18</a:t>
+              <a:t>2026/1/21</a:t>
             </a:fld>
             <a:endParaRPr kumimoji="1" lang="zh-CN" altLang="en-US"/>
           </a:p>
@@ -4119,7 +4119,7 @@
             </a:pPr>
             <a:fld id="{E4551058-E5DB-324A-A8E9-6D3BEF243C3B}" type="datetimeFigureOut">
               <a:rPr kumimoji="1" lang="zh-CN" altLang="en-US" smtClean="0"/>
-              <a:t>2026/1/18</a:t>
+              <a:t>2026/1/21</a:t>
             </a:fld>
             <a:endParaRPr kumimoji="1" lang="zh-CN" altLang="en-US"/>
           </a:p>
@@ -4286,7 +4286,7 @@
             </a:pPr>
             <a:fld id="{E4551058-E5DB-324A-A8E9-6D3BEF243C3B}" type="datetimeFigureOut">
               <a:rPr kumimoji="1" lang="zh-CN" altLang="en-US" smtClean="0"/>
-              <a:t>2026/1/18</a:t>
+              <a:t>2026/1/21</a:t>
             </a:fld>
             <a:endParaRPr kumimoji="1" lang="zh-CN" altLang="en-US"/>
           </a:p>
@@ -4453,7 +4453,7 @@
             </a:pPr>
             <a:fld id="{E4551058-E5DB-324A-A8E9-6D3BEF243C3B}" type="datetimeFigureOut">
               <a:rPr kumimoji="1" lang="zh-CN" altLang="en-US" smtClean="0"/>
-              <a:t>2026/1/18</a:t>
+              <a:t>2026/1/21</a:t>
             </a:fld>
             <a:endParaRPr kumimoji="1" lang="zh-CN" altLang="en-US"/>
           </a:p>
@@ -4957,7 +4957,7 @@
                   <a:solidFill/>
                 </a:defRPr>
               </a:pPr>
-              <a:t>2026/1/18</a:t>
+              <a:t>2026/1/21</a:t>
             </a:fld>
             <a:endParaRPr kumimoji="1" lang="zh-CN" altLang="en-US" dirty="0"/>
           </a:p>
@@ -5333,7 +5333,7 @@
                   <a:solidFill/>
                 </a:defRPr>
               </a:pPr>
-              <a:t>2026/1/18</a:t>
+              <a:t>2026/1/21</a:t>
             </a:fld>
             <a:endParaRPr kumimoji="1" lang="zh-CN" altLang="en-US" dirty="0"/>
           </a:p>
@@ -5869,7 +5869,7 @@
             <a:ext cx="7699248" cy="1356406"/>
           </a:xfrm>
           <a:ln>
-            <a:solidFill/>
+            <a:noFill/>
           </a:ln>
         </p:spPr>
         <p:txBody>
@@ -5882,36 +5882,26 @@
               </a:defRPr>
             </a:pPr>
             <a:r>
-              <a:rPr lang="zh-CN" altLang="en-US" dirty="0">
-                <a:solidFill/>
-              </a:rPr>
+              <a:rPr lang="zh-CN" altLang="en-US" dirty="0"/>
               <a:t>华科简约主题</a:t>
             </a:r>
             <a:r>
-              <a:rPr lang="en-US" altLang="zh-CN" dirty="0">
-                <a:solidFill/>
-              </a:rPr>
+              <a:rPr lang="en-US" altLang="zh-CN" dirty="0"/>
               <a:t>PPT</a:t>
             </a:r>
             <a:r>
-              <a:rPr lang="zh-CN" altLang="en-US" dirty="0">
-                <a:solidFill/>
-              </a:rPr>
+              <a:rPr lang="zh-CN" altLang="en-US" dirty="0"/>
               <a:t>模板</a:t>
             </a:r>
             <a:br>
               <a:rPr lang="en-US" altLang="zh-CN" dirty="0"/>
             </a:br>
             <a:r>
-              <a:rPr lang="zh-CN" altLang="en-US" dirty="0">
-                <a:solidFill/>
-              </a:rPr>
+              <a:rPr lang="zh-CN" altLang="en-US" dirty="0"/>
               <a:t>扁平风格 </a:t>
             </a:r>
             <a:r>
-              <a:rPr lang="en-US" altLang="zh-CN" dirty="0">
-                <a:solidFill/>
-              </a:rPr>
+              <a:rPr lang="en-US" altLang="zh-CN" dirty="0"/>
               <a:t>4:3</a:t>
             </a:r>
             <a:endParaRPr lang="zh-CN" altLang="en-US" dirty="0"/>
@@ -5940,7 +5930,7 @@
             <a:ext cx="7699248" cy="1340999"/>
           </a:xfrm>
           <a:ln>
-            <a:solidFill/>
+            <a:noFill/>
           </a:ln>
         </p:spPr>
         <p:txBody>
@@ -5963,9 +5953,7 @@
               </a:defRPr>
             </a:pPr>
             <a:r>
-              <a:rPr lang="zh-CN" altLang="en-US" dirty="0">
-                <a:solidFill/>
-              </a:rPr>
+              <a:rPr lang="zh-CN" altLang="en-US" dirty="0"/>
               <a:t>东五</a:t>
             </a:r>
             <a:endParaRPr lang="en-US" altLang="zh-CN" dirty="0"/>
@@ -5977,39 +5965,27 @@
               </a:defRPr>
             </a:pPr>
             <a:r>
-              <a:rPr lang="en-US" altLang="zh-CN" dirty="0">
-                <a:solidFill/>
-              </a:rPr>
+              <a:rPr lang="en-US" altLang="zh-CN" dirty="0"/>
               <a:t>2025</a:t>
             </a:r>
             <a:r>
-              <a:rPr lang="zh-CN" altLang="en-US" dirty="0">
-                <a:solidFill/>
-              </a:rPr>
+              <a:rPr lang="zh-CN" altLang="en-US" dirty="0"/>
               <a:t>年</a:t>
             </a:r>
             <a:r>
-              <a:rPr lang="en-US" altLang="zh-CN" dirty="0">
-                <a:solidFill/>
-              </a:rPr>
+              <a:rPr lang="en-US" altLang="zh-CN" dirty="0"/>
               <a:t>12</a:t>
             </a:r>
             <a:r>
-              <a:rPr lang="zh-CN" altLang="en-US" dirty="0">
-                <a:solidFill/>
-              </a:rPr>
+              <a:rPr lang="zh-CN" altLang="en-US" dirty="0"/>
               <a:t>月</a:t>
             </a:r>
             <a:r>
-              <a:rPr lang="en-US" altLang="zh-CN" dirty="0">
-                <a:solidFill/>
-              </a:rPr>
+              <a:rPr lang="en-US" altLang="zh-CN" dirty="0"/>
               <a:t>31</a:t>
             </a:r>
             <a:r>
-              <a:rPr lang="zh-CN" altLang="en-US" dirty="0">
-                <a:solidFill/>
-              </a:rPr>
+              <a:rPr lang="zh-CN" altLang="en-US" dirty="0"/>
               <a:t>日</a:t>
             </a:r>
           </a:p>
@@ -6073,7 +6049,7 @@
             <a:ext cx="7634195" cy="3602477"/>
           </a:xfrm>
           <a:ln>
-            <a:solidFill/>
+            <a:noFill/>
           </a:ln>
         </p:spPr>
         <p:txBody>
@@ -6170,7 +6146,7 @@
             <a:ext cx="7634194" cy="1351451"/>
           </a:xfrm>
           <a:ln>
-            <a:solidFill/>
+            <a:noFill/>
           </a:ln>
         </p:spPr>
         <p:txBody>
@@ -6249,7 +6225,7 @@
             <a:ext cx="7891040" cy="3678303"/>
           </a:xfrm>
           <a:ln>
-            <a:solidFill/>
+            <a:noFill/>
           </a:ln>
         </p:spPr>
         <p:txBody>
@@ -6442,7 +6418,7 @@
             <a:ext cx="7891041" cy="1015200"/>
           </a:xfrm>
           <a:ln>
-            <a:solidFill/>
+            <a:noFill/>
           </a:ln>
         </p:spPr>
         <p:txBody>
@@ -6521,7 +6497,7 @@
             <a:ext cx="3815306" cy="536005"/>
           </a:xfrm>
           <a:ln>
-            <a:solidFill/>
+            <a:noFill/>
           </a:ln>
         </p:spPr>
         <p:txBody>
@@ -6565,7 +6541,7 @@
             <a:ext cx="4044825" cy="2934999"/>
           </a:xfrm>
           <a:ln>
-            <a:solidFill/>
+            <a:noFill/>
           </a:ln>
         </p:spPr>
         <p:txBody>
@@ -6682,7 +6658,7 @@
             <a:ext cx="3815305" cy="553373"/>
           </a:xfrm>
           <a:ln>
-            <a:solidFill/>
+            <a:noFill/>
           </a:ln>
         </p:spPr>
         <p:txBody>
@@ -6726,7 +6702,7 @@
             <a:ext cx="4044825" cy="2934999"/>
           </a:xfrm>
           <a:ln>
-            <a:solidFill/>
+            <a:noFill/>
           </a:ln>
         </p:spPr>
         <p:txBody>
@@ -6921,7 +6897,7 @@
             <a:ext cx="7889875" cy="1014413"/>
           </a:xfrm>
           <a:ln>
-            <a:solidFill/>
+            <a:noFill/>
           </a:ln>
         </p:spPr>
         <p:txBody>
@@ -7000,7 +6976,7 @@
             <a:ext cx="8272212" cy="566738"/>
           </a:xfrm>
           <a:ln>
-            <a:solidFill/>
+            <a:noFill/>
           </a:ln>
         </p:spPr>
         <p:txBody>
@@ -7043,7 +7019,7 @@
             <a:ext cx="8272213" cy="598671"/>
           </a:xfrm>
           <a:ln>
-            <a:solidFill/>
+            <a:noFill/>
           </a:ln>
         </p:spPr>
         <p:txBody>
@@ -7122,7 +7098,7 @@
             <a:ext cx="7699248" cy="1376851"/>
           </a:xfrm>
           <a:ln>
-            <a:solidFill/>
+            <a:noFill/>
           </a:ln>
         </p:spPr>
         <p:txBody>
@@ -7165,7 +7141,7 @@
             <a:ext cx="7699248" cy="1340999"/>
           </a:xfrm>
           <a:ln>
-            <a:solidFill/>
+            <a:noFill/>
           </a:ln>
         </p:spPr>
         <p:txBody>
@@ -7251,7 +7227,9 @@
             <a:ext cx="7749976" cy="653148"/>
           </a:xfrm>
           <a:ln>
-            <a:solidFill/>
+            <a:solidFill>
+              <a:schemeClr val="bg1"/>
+            </a:solidFill>
           </a:ln>
         </p:spPr>
         <p:txBody>
@@ -7290,7 +7268,7 @@
         </p:nvSpPr>
         <p:spPr>
           <a:ln>
-            <a:solidFill/>
+            <a:noFill/>
           </a:ln>
         </p:spPr>
         <p:txBody>
@@ -7302,7 +7280,7 @@
                 <a:solidFill/>
               </a:defRPr>
             </a:pPr>
-            <a:endParaRPr lang="zh-CN" altLang="en-US"/>
+            <a:endParaRPr lang="zh-CN" altLang="en-US" dirty="0"/>
           </a:p>
         </p:txBody>
       </p:sp>
@@ -7328,7 +7306,7 @@
             <a:ext cx="7749976" cy="365126"/>
           </a:xfrm>
           <a:ln>
-            <a:solidFill/>
+            <a:noFill/>
           </a:ln>
         </p:spPr>
         <p:txBody>
@@ -7407,7 +7385,7 @@
             <a:ext cx="1424622" cy="5183073"/>
           </a:xfrm>
           <a:ln>
-            <a:solidFill/>
+            <a:noFill/>
           </a:ln>
         </p:spPr>
         <p:txBody>
@@ -7450,7 +7428,7 @@
             <a:ext cx="5843708" cy="5183073"/>
           </a:xfrm>
           <a:ln>
-            <a:solidFill/>
+            <a:noFill/>
           </a:ln>
         </p:spPr>
         <p:txBody>
@@ -7543,7 +7521,7 @@
             <a:ext cx="7699248" cy="1356406"/>
           </a:xfrm>
           <a:ln>
-            <a:solidFill/>
+            <a:noFill/>
           </a:ln>
         </p:spPr>
         <p:txBody>
@@ -7586,7 +7564,7 @@
             <a:ext cx="7699248" cy="1340999"/>
           </a:xfrm>
           <a:ln>
-            <a:solidFill/>
+            <a:noFill/>
           </a:ln>
         </p:spPr>
         <p:txBody>
